--- a/07-fb-uzivatele/notes4-obnova-hesla-priprava.pptx
+++ b/07-fb-uzivatele/notes4-obnova-hesla-priprava.pptx
@@ -286,7 +286,7 @@
           <a:p>
             <a:fld id="{98965062-9DB8-4836-988C-B6EAB488DE74}" type="datetimeFigureOut">
               <a:rPr lang="cs-CZ" smtClean="0"/>
-              <a:t>13.11.2021</a:t>
+              <a:t>19.11.2021</a:t>
             </a:fld>
             <a:endParaRPr lang="cs-CZ"/>
           </a:p>
@@ -484,7 +484,7 @@
           <a:p>
             <a:fld id="{98965062-9DB8-4836-988C-B6EAB488DE74}" type="datetimeFigureOut">
               <a:rPr lang="cs-CZ" smtClean="0"/>
-              <a:t>13.11.2021</a:t>
+              <a:t>19.11.2021</a:t>
             </a:fld>
             <a:endParaRPr lang="cs-CZ"/>
           </a:p>
@@ -692,7 +692,7 @@
           <a:p>
             <a:fld id="{98965062-9DB8-4836-988C-B6EAB488DE74}" type="datetimeFigureOut">
               <a:rPr lang="cs-CZ" smtClean="0"/>
-              <a:t>13.11.2021</a:t>
+              <a:t>19.11.2021</a:t>
             </a:fld>
             <a:endParaRPr lang="cs-CZ"/>
           </a:p>
@@ -890,7 +890,7 @@
           <a:p>
             <a:fld id="{98965062-9DB8-4836-988C-B6EAB488DE74}" type="datetimeFigureOut">
               <a:rPr lang="cs-CZ" smtClean="0"/>
-              <a:t>13.11.2021</a:t>
+              <a:t>19.11.2021</a:t>
             </a:fld>
             <a:endParaRPr lang="cs-CZ"/>
           </a:p>
@@ -1165,7 +1165,7 @@
           <a:p>
             <a:fld id="{98965062-9DB8-4836-988C-B6EAB488DE74}" type="datetimeFigureOut">
               <a:rPr lang="cs-CZ" smtClean="0"/>
-              <a:t>13.11.2021</a:t>
+              <a:t>19.11.2021</a:t>
             </a:fld>
             <a:endParaRPr lang="cs-CZ"/>
           </a:p>
@@ -1430,7 +1430,7 @@
           <a:p>
             <a:fld id="{98965062-9DB8-4836-988C-B6EAB488DE74}" type="datetimeFigureOut">
               <a:rPr lang="cs-CZ" smtClean="0"/>
-              <a:t>13.11.2021</a:t>
+              <a:t>19.11.2021</a:t>
             </a:fld>
             <a:endParaRPr lang="cs-CZ"/>
           </a:p>
@@ -1842,7 +1842,7 @@
           <a:p>
             <a:fld id="{98965062-9DB8-4836-988C-B6EAB488DE74}" type="datetimeFigureOut">
               <a:rPr lang="cs-CZ" smtClean="0"/>
-              <a:t>13.11.2021</a:t>
+              <a:t>19.11.2021</a:t>
             </a:fld>
             <a:endParaRPr lang="cs-CZ"/>
           </a:p>
@@ -1983,7 +1983,7 @@
           <a:p>
             <a:fld id="{98965062-9DB8-4836-988C-B6EAB488DE74}" type="datetimeFigureOut">
               <a:rPr lang="cs-CZ" smtClean="0"/>
-              <a:t>13.11.2021</a:t>
+              <a:t>19.11.2021</a:t>
             </a:fld>
             <a:endParaRPr lang="cs-CZ"/>
           </a:p>
@@ -2096,7 +2096,7 @@
           <a:p>
             <a:fld id="{98965062-9DB8-4836-988C-B6EAB488DE74}" type="datetimeFigureOut">
               <a:rPr lang="cs-CZ" smtClean="0"/>
-              <a:t>13.11.2021</a:t>
+              <a:t>19.11.2021</a:t>
             </a:fld>
             <a:endParaRPr lang="cs-CZ"/>
           </a:p>
@@ -2407,7 +2407,7 @@
           <a:p>
             <a:fld id="{98965062-9DB8-4836-988C-B6EAB488DE74}" type="datetimeFigureOut">
               <a:rPr lang="cs-CZ" smtClean="0"/>
-              <a:t>13.11.2021</a:t>
+              <a:t>19.11.2021</a:t>
             </a:fld>
             <a:endParaRPr lang="cs-CZ"/>
           </a:p>
@@ -2695,7 +2695,7 @@
           <a:p>
             <a:fld id="{98965062-9DB8-4836-988C-B6EAB488DE74}" type="datetimeFigureOut">
               <a:rPr lang="cs-CZ" smtClean="0"/>
-              <a:t>13.11.2021</a:t>
+              <a:t>19.11.2021</a:t>
             </a:fld>
             <a:endParaRPr lang="cs-CZ"/>
           </a:p>
@@ -2936,7 +2936,7 @@
           <a:p>
             <a:fld id="{98965062-9DB8-4836-988C-B6EAB488DE74}" type="datetimeFigureOut">
               <a:rPr lang="cs-CZ" smtClean="0"/>
-              <a:t>13.11.2021</a:t>
+              <a:t>19.11.2021</a:t>
             </a:fld>
             <a:endParaRPr lang="cs-CZ"/>
           </a:p>
@@ -5511,37 +5511,12 @@
           </a:p>
         </p:txBody>
       </p:sp>
-      <p:sp>
-        <p:nvSpPr>
-          <p:cNvPr id="3" name="Zástupný obsah 2">
-            <a:extLst>
-              <a:ext uri="{FF2B5EF4-FFF2-40B4-BE49-F238E27FC236}">
-                <a16:creationId xmlns:a16="http://schemas.microsoft.com/office/drawing/2014/main" id="{983A98F2-7147-42D0-954A-EFDD4A659B15}"/>
-              </a:ext>
-            </a:extLst>
-          </p:cNvPr>
-          <p:cNvSpPr>
-            <a:spLocks noGrp="1"/>
-          </p:cNvSpPr>
-          <p:nvPr>
-            <p:ph idx="1"/>
-          </p:nvPr>
-        </p:nvSpPr>
-        <p:spPr/>
-        <p:txBody>
-          <a:bodyPr/>
-          <a:lstStyle/>
-          <a:p>
-            <a:endParaRPr lang="cs-CZ"/>
-          </a:p>
-        </p:txBody>
-      </p:sp>
       <p:pic>
         <p:nvPicPr>
-          <p:cNvPr id="5" name="Obrázek 4">
-            <a:extLst>
-              <a:ext uri="{FF2B5EF4-FFF2-40B4-BE49-F238E27FC236}">
-                <a16:creationId xmlns:a16="http://schemas.microsoft.com/office/drawing/2014/main" id="{B5AB3415-347A-4571-8B99-E9EA529A66F7}"/>
+          <p:cNvPr id="14" name="Obrázek 13">
+            <a:extLst>
+              <a:ext uri="{FF2B5EF4-FFF2-40B4-BE49-F238E27FC236}">
+                <a16:creationId xmlns:a16="http://schemas.microsoft.com/office/drawing/2014/main" id="{05651015-74E8-413E-A0FA-E8F45A3361E4}"/>
               </a:ext>
             </a:extLst>
           </p:cNvPr>
@@ -5558,8 +5533,8 @@
         </p:blipFill>
         <p:spPr>
           <a:xfrm>
-            <a:off x="0" y="180180"/>
-            <a:ext cx="12192000" cy="6497640"/>
+            <a:off x="0" y="180975"/>
+            <a:ext cx="12192000" cy="6496050"/>
           </a:xfrm>
           <a:prstGeom prst="rect">
             <a:avLst/>
@@ -5581,7 +5556,7 @@
         <p:spPr>
           <a:xfrm>
             <a:off x="852267" y="4019841"/>
-            <a:ext cx="4957689" cy="1311814"/>
+            <a:ext cx="4957689" cy="2031324"/>
           </a:xfrm>
           <a:prstGeom prst="rect">
             <a:avLst/>
@@ -5632,7 +5607,7 @@
         </p:nvSpPr>
         <p:spPr>
           <a:xfrm>
-            <a:off x="5950634" y="3881261"/>
+            <a:off x="5950634" y="3993805"/>
             <a:ext cx="4853354" cy="2031325"/>
           </a:xfrm>
           <a:prstGeom prst="rect">
